--- a/PPTs/7.Perl_file_handling.pptx
+++ b/PPTs/7.Perl_file_handling.pptx
@@ -31,14 +31,15 @@
     <p:sldId id="283" r:id="rId25"/>
     <p:sldId id="274" r:id="rId26"/>
     <p:sldId id="282" r:id="rId27"/>
-    <p:sldId id="275" r:id="rId28"/>
-    <p:sldId id="276" r:id="rId29"/>
-    <p:sldId id="279" r:id="rId30"/>
-    <p:sldId id="284" r:id="rId31"/>
-    <p:sldId id="277" r:id="rId32"/>
-    <p:sldId id="280" r:id="rId33"/>
-    <p:sldId id="285" r:id="rId34"/>
-    <p:sldId id="286" r:id="rId35"/>
+    <p:sldId id="293" r:id="rId28"/>
+    <p:sldId id="275" r:id="rId29"/>
+    <p:sldId id="276" r:id="rId30"/>
+    <p:sldId id="279" r:id="rId31"/>
+    <p:sldId id="284" r:id="rId32"/>
+    <p:sldId id="277" r:id="rId33"/>
+    <p:sldId id="280" r:id="rId34"/>
+    <p:sldId id="285" r:id="rId35"/>
+    <p:sldId id="286" r:id="rId36"/>
   </p:sldIdLst>
   <p:sldSz cx="9144000" cy="5143500" type="screen16x9"/>
   <p:notesSz cx="6858000" cy="9144000"/>
@@ -329,7 +330,7 @@
             <a:fld id="{C8A432C8-69A7-458B-9684-2BFA64B31948}" type="datetime2">
               <a:rPr lang="en-US" smtClean="0"/>
               <a:pPr/>
-              <a:t>Thursday, June 08, 2017</a:t>
+              <a:t>Monday, June 12, 2017</a:t>
             </a:fld>
             <a:endParaRPr lang="en-US"/>
           </a:p>
@@ -532,7 +533,7 @@
             <a:fld id="{8CC057FC-95B6-4D89-AFDA-ABA33EE921E5}" type="datetime2">
               <a:rPr lang="en-US" smtClean="0"/>
               <a:pPr/>
-              <a:t>Thursday, June 08, 2017</a:t>
+              <a:t>Monday, June 12, 2017</a:t>
             </a:fld>
             <a:endParaRPr lang="en-US"/>
           </a:p>
@@ -710,7 +711,7 @@
             <a:fld id="{EC4549AC-EB31-477F-92A9-B1988E232878}" type="datetime2">
               <a:rPr lang="en-US" smtClean="0"/>
               <a:pPr/>
-              <a:t>Thursday, June 08, 2017</a:t>
+              <a:t>Monday, June 12, 2017</a:t>
             </a:fld>
             <a:endParaRPr lang="en-US"/>
           </a:p>
@@ -878,7 +879,7 @@
             <a:fld id="{6396A3A3-94A6-4E5B-AF39-173ACA3E61CC}" type="datetime2">
               <a:rPr lang="en-US" smtClean="0"/>
               <a:pPr/>
-              <a:t>Thursday, June 08, 2017</a:t>
+              <a:t>Monday, June 12, 2017</a:t>
             </a:fld>
             <a:endParaRPr lang="en-US"/>
           </a:p>
@@ -1129,7 +1130,7 @@
             <a:fld id="{9933D019-A32C-4EAD-B8E6-DBDA699692FD}" type="datetime2">
               <a:rPr lang="en-US" smtClean="0"/>
               <a:pPr/>
-              <a:t>Thursday, June 08, 2017</a:t>
+              <a:t>Monday, June 12, 2017</a:t>
             </a:fld>
             <a:endParaRPr lang="en-US"/>
           </a:p>
@@ -1450,7 +1451,7 @@
             <a:fld id="{CCEBA98F-560C-4997-81C4-81D4D9187EAB}" type="datetime2">
               <a:rPr lang="en-US" smtClean="0"/>
               <a:pPr/>
-              <a:t>Thursday, June 08, 2017</a:t>
+              <a:t>Monday, June 12, 2017</a:t>
             </a:fld>
             <a:endParaRPr lang="en-US"/>
           </a:p>
@@ -1919,7 +1920,7 @@
             <a:fld id="{150972B2-CA5C-437D-87D0-8081271A9E4B}" type="datetime2">
               <a:rPr lang="en-US" smtClean="0"/>
               <a:pPr/>
-              <a:t>Thursday, June 08, 2017</a:t>
+              <a:t>Monday, June 12, 2017</a:t>
             </a:fld>
             <a:endParaRPr lang="en-US"/>
           </a:p>
@@ -2070,7 +2071,7 @@
             <a:fld id="{79CD4847-11EF-4466-A8AD-85CDB7B49118}" type="datetime2">
               <a:rPr lang="en-US" smtClean="0"/>
               <a:pPr/>
-              <a:t>Thursday, June 08, 2017</a:t>
+              <a:t>Monday, June 12, 2017</a:t>
             </a:fld>
             <a:endParaRPr lang="en-US"/>
           </a:p>
@@ -2163,7 +2164,7 @@
             <a:fld id="{F168457A-3AB9-4880-8A0C-9F8524491207}" type="datetime2">
               <a:rPr lang="en-US" smtClean="0"/>
               <a:pPr/>
-              <a:t>Thursday, June 08, 2017</a:t>
+              <a:t>Monday, June 12, 2017</a:t>
             </a:fld>
             <a:endParaRPr lang="en-US"/>
           </a:p>
@@ -2440,7 +2441,7 @@
             <a:fld id="{3FE976D3-5B7F-4300-ABED-C91F1B2AE209}" type="datetime2">
               <a:rPr lang="en-US" smtClean="0"/>
               <a:pPr/>
-              <a:t>Thursday, June 08, 2017</a:t>
+              <a:t>Monday, June 12, 2017</a:t>
             </a:fld>
             <a:endParaRPr lang="en-US"/>
           </a:p>
@@ -2748,7 +2749,7 @@
             <a:fld id="{EBDC1E59-17DD-41CE-97CA-624A472382D4}" type="datetime2">
               <a:rPr lang="en-US" smtClean="0"/>
               <a:pPr/>
-              <a:t>Thursday, June 08, 2017</a:t>
+              <a:t>Monday, June 12, 2017</a:t>
             </a:fld>
             <a:endParaRPr lang="en-US"/>
           </a:p>
@@ -3049,7 +3050,7 @@
             <a:fld id="{A80CB818-7379-467D-8E76-EF9D9074A26C}" type="datetime2">
               <a:rPr lang="en-US" smtClean="0"/>
               <a:pPr/>
-              <a:t>Thursday, June 08, 2017</a:t>
+              <a:t>Monday, June 12, 2017</a:t>
             </a:fld>
             <a:endParaRPr lang="en-US" dirty="0"/>
           </a:p>
@@ -3499,7 +3500,7 @@
     </p:spTree>
     <p:extLst>
       <p:ext uri="{BB962C8B-B14F-4D97-AF65-F5344CB8AC3E}">
-        <p14:creationId xmlns="" xmlns:p14="http://schemas.microsoft.com/office/powerpoint/2010/main" val="182139768"/>
+        <p14:creationId xmlns:p14="http://schemas.microsoft.com/office/powerpoint/2010/main" xmlns="" val="182139768"/>
       </p:ext>
     </p:extLst>
   </p:cSld>
@@ -7156,6 +7157,91 @@
       </p:grpSpPr>
       <p:sp>
         <p:nvSpPr>
+          <p:cNvPr id="2" name="Title 1"/>
+          <p:cNvSpPr>
+            <a:spLocks noGrp="1"/>
+          </p:cNvSpPr>
+          <p:nvPr>
+            <p:ph type="title"/>
+          </p:nvPr>
+        </p:nvSpPr>
+        <p:spPr/>
+        <p:txBody>
+          <a:bodyPr/>
+          <a:lstStyle/>
+          <a:p>
+            <a:r>
+              <a:rPr lang="en-IN" dirty="0" smtClean="0"/>
+              <a:t>Example2</a:t>
+            </a:r>
+            <a:endParaRPr lang="en-US" dirty="0"/>
+          </a:p>
+        </p:txBody>
+      </p:sp>
+      <p:sp>
+        <p:nvSpPr>
+          <p:cNvPr id="3" name="Content Placeholder 2"/>
+          <p:cNvSpPr>
+            <a:spLocks noGrp="1"/>
+          </p:cNvSpPr>
+          <p:nvPr>
+            <p:ph idx="1"/>
+          </p:nvPr>
+        </p:nvSpPr>
+        <p:spPr/>
+        <p:txBody>
+          <a:bodyPr/>
+          <a:lstStyle/>
+          <a:p>
+            <a:r>
+              <a:rPr lang="en-IN" dirty="0" smtClean="0"/>
+              <a:t>Write a Perl script to parse a </a:t>
+            </a:r>
+            <a:r>
+              <a:rPr lang="en-IN" dirty="0" err="1" smtClean="0"/>
+              <a:t>BlastP</a:t>
+            </a:r>
+            <a:r>
+              <a:rPr lang="en-IN" dirty="0" smtClean="0"/>
+              <a:t> tabular output file and save those hits with &gt;45% identity. </a:t>
+            </a:r>
+          </a:p>
+          <a:p>
+            <a:r>
+              <a:rPr lang="en-IN" dirty="0" smtClean="0"/>
+              <a:t>Open script</a:t>
+            </a:r>
+            <a:endParaRPr lang="en-US" dirty="0"/>
+          </a:p>
+        </p:txBody>
+      </p:sp>
+    </p:spTree>
+  </p:cSld>
+  <p:clrMapOvr>
+    <a:masterClrMapping/>
+  </p:clrMapOvr>
+</p:sld>
+</file>
+
+<file path=ppt/slides/slide28.xml><?xml version="1.0" encoding="utf-8"?>
+<p:sld xmlns:a="http://schemas.openxmlformats.org/drawingml/2006/main" xmlns:r="http://schemas.openxmlformats.org/officeDocument/2006/relationships" xmlns:p="http://schemas.openxmlformats.org/presentationml/2006/main">
+  <p:cSld>
+    <p:spTree>
+      <p:nvGrpSpPr>
+        <p:cNvPr id="1" name=""/>
+        <p:cNvGrpSpPr/>
+        <p:nvPr/>
+      </p:nvGrpSpPr>
+      <p:grpSpPr>
+        <a:xfrm>
+          <a:off x="0" y="0"/>
+          <a:ext cx="0" cy="0"/>
+          <a:chOff x="0" y="0"/>
+          <a:chExt cx="0" cy="0"/>
+        </a:xfrm>
+      </p:grpSpPr>
+      <p:sp>
+        <p:nvSpPr>
           <p:cNvPr id="3" name="Title 2"/>
           <p:cNvSpPr>
             <a:spLocks noGrp="1"/>
@@ -7276,7 +7362,7 @@
 </p:sld>
 </file>
 
-<file path=ppt/slides/slide28.xml><?xml version="1.0" encoding="utf-8"?>
+<file path=ppt/slides/slide29.xml><?xml version="1.0" encoding="utf-8"?>
 <p:sld xmlns:a="http://schemas.openxmlformats.org/drawingml/2006/main" xmlns:r="http://schemas.openxmlformats.org/officeDocument/2006/relationships" xmlns:p="http://schemas.openxmlformats.org/presentationml/2006/main">
   <p:cSld>
     <p:spTree>
@@ -7402,7 +7488,147 @@
 </p:sld>
 </file>
 
-<file path=ppt/slides/slide29.xml><?xml version="1.0" encoding="utf-8"?>
+<file path=ppt/slides/slide3.xml><?xml version="1.0" encoding="utf-8"?>
+<p:sld xmlns:a="http://schemas.openxmlformats.org/drawingml/2006/main" xmlns:r="http://schemas.openxmlformats.org/officeDocument/2006/relationships" xmlns:p="http://schemas.openxmlformats.org/presentationml/2006/main">
+  <p:cSld>
+    <p:spTree>
+      <p:nvGrpSpPr>
+        <p:cNvPr id="1" name=""/>
+        <p:cNvGrpSpPr/>
+        <p:nvPr/>
+      </p:nvGrpSpPr>
+      <p:grpSpPr>
+        <a:xfrm>
+          <a:off x="0" y="0"/>
+          <a:ext cx="0" cy="0"/>
+          <a:chOff x="0" y="0"/>
+          <a:chExt cx="0" cy="0"/>
+        </a:xfrm>
+      </p:grpSpPr>
+      <p:sp>
+        <p:nvSpPr>
+          <p:cNvPr id="2" name="Title 1"/>
+          <p:cNvSpPr>
+            <a:spLocks noGrp="1"/>
+          </p:cNvSpPr>
+          <p:nvPr>
+            <p:ph type="title"/>
+          </p:nvPr>
+        </p:nvSpPr>
+        <p:spPr/>
+        <p:txBody>
+          <a:bodyPr/>
+          <a:lstStyle/>
+          <a:p>
+            <a:r>
+              <a:rPr lang="en-IN" dirty="0" err="1" smtClean="0"/>
+              <a:t>Filehandles</a:t>
+            </a:r>
+            <a:endParaRPr lang="en-US" dirty="0"/>
+          </a:p>
+        </p:txBody>
+      </p:sp>
+      <p:sp>
+        <p:nvSpPr>
+          <p:cNvPr id="3" name="Content Placeholder 2"/>
+          <p:cNvSpPr>
+            <a:spLocks noGrp="1"/>
+          </p:cNvSpPr>
+          <p:nvPr>
+            <p:ph idx="1"/>
+          </p:nvPr>
+        </p:nvSpPr>
+        <p:spPr/>
+        <p:txBody>
+          <a:bodyPr/>
+          <a:lstStyle/>
+          <a:p>
+            <a:r>
+              <a:rPr lang="en-IN" dirty="0" smtClean="0"/>
+              <a:t>Reading and writing a file stored on disk is very essential for any computer program</a:t>
+            </a:r>
+          </a:p>
+          <a:p>
+            <a:r>
+              <a:rPr lang="en-IN" dirty="0" smtClean="0"/>
+              <a:t>Perl uses </a:t>
+            </a:r>
+            <a:r>
+              <a:rPr lang="en-IN" b="1" dirty="0" err="1" smtClean="0"/>
+              <a:t>Filehandles</a:t>
+            </a:r>
+            <a:r>
+              <a:rPr lang="en-IN" dirty="0" smtClean="0"/>
+              <a:t> to represent an opened file.</a:t>
+            </a:r>
+          </a:p>
+          <a:p>
+            <a:r>
+              <a:rPr lang="en-IN" dirty="0" smtClean="0"/>
+              <a:t>Files and hardware can be represented as </a:t>
+            </a:r>
+            <a:r>
+              <a:rPr lang="en-IN" dirty="0" err="1" smtClean="0"/>
+              <a:t>filehandles</a:t>
+            </a:r>
+            <a:endParaRPr lang="en-IN" dirty="0" smtClean="0"/>
+          </a:p>
+          <a:p>
+            <a:r>
+              <a:rPr lang="en-IN" dirty="0" err="1" smtClean="0"/>
+              <a:t>Filehandle</a:t>
+            </a:r>
+            <a:r>
+              <a:rPr lang="en-IN" dirty="0" smtClean="0"/>
+              <a:t> is also a data type in Perl</a:t>
+            </a:r>
+          </a:p>
+          <a:p>
+            <a:endParaRPr lang="en-US" dirty="0"/>
+          </a:p>
+        </p:txBody>
+      </p:sp>
+      <p:pic>
+        <p:nvPicPr>
+          <p:cNvPr id="1026" name="Picture 2"/>
+          <p:cNvPicPr>
+            <a:picLocks noChangeAspect="1" noChangeArrowheads="1"/>
+          </p:cNvPicPr>
+          <p:nvPr/>
+        </p:nvPicPr>
+        <p:blipFill>
+          <a:blip r:embed="rId2" cstate="print"/>
+          <a:srcRect/>
+          <a:stretch>
+            <a:fillRect/>
+          </a:stretch>
+        </p:blipFill>
+        <p:spPr bwMode="auto">
+          <a:xfrm>
+            <a:off x="676174" y="3319564"/>
+            <a:ext cx="7324725" cy="1600200"/>
+          </a:xfrm>
+          <a:prstGeom prst="rect">
+            <a:avLst/>
+          </a:prstGeom>
+          <a:noFill/>
+          <a:ln w="9525">
+            <a:noFill/>
+            <a:miter lim="800000"/>
+            <a:headEnd/>
+            <a:tailEnd/>
+          </a:ln>
+        </p:spPr>
+      </p:pic>
+    </p:spTree>
+  </p:cSld>
+  <p:clrMapOvr>
+    <a:masterClrMapping/>
+  </p:clrMapOvr>
+</p:sld>
+</file>
+
+<file path=ppt/slides/slide30.xml><?xml version="1.0" encoding="utf-8"?>
 <p:sld xmlns:a="http://schemas.openxmlformats.org/drawingml/2006/main" xmlns:r="http://schemas.openxmlformats.org/officeDocument/2006/relationships" xmlns:p="http://schemas.openxmlformats.org/presentationml/2006/main">
   <p:cSld>
     <p:spTree>
@@ -7823,225 +8049,6 @@
 </p:sld>
 </file>
 
-<file path=ppt/slides/slide3.xml><?xml version="1.0" encoding="utf-8"?>
-<p:sld xmlns:a="http://schemas.openxmlformats.org/drawingml/2006/main" xmlns:r="http://schemas.openxmlformats.org/officeDocument/2006/relationships" xmlns:p="http://schemas.openxmlformats.org/presentationml/2006/main">
-  <p:cSld>
-    <p:spTree>
-      <p:nvGrpSpPr>
-        <p:cNvPr id="1" name=""/>
-        <p:cNvGrpSpPr/>
-        <p:nvPr/>
-      </p:nvGrpSpPr>
-      <p:grpSpPr>
-        <a:xfrm>
-          <a:off x="0" y="0"/>
-          <a:ext cx="0" cy="0"/>
-          <a:chOff x="0" y="0"/>
-          <a:chExt cx="0" cy="0"/>
-        </a:xfrm>
-      </p:grpSpPr>
-      <p:sp>
-        <p:nvSpPr>
-          <p:cNvPr id="2" name="Title 1"/>
-          <p:cNvSpPr>
-            <a:spLocks noGrp="1"/>
-          </p:cNvSpPr>
-          <p:nvPr>
-            <p:ph type="title"/>
-          </p:nvPr>
-        </p:nvSpPr>
-        <p:spPr/>
-        <p:txBody>
-          <a:bodyPr/>
-          <a:lstStyle/>
-          <a:p>
-            <a:r>
-              <a:rPr lang="en-IN" dirty="0" err="1" smtClean="0"/>
-              <a:t>Filehandles</a:t>
-            </a:r>
-            <a:endParaRPr lang="en-US" dirty="0"/>
-          </a:p>
-        </p:txBody>
-      </p:sp>
-      <p:sp>
-        <p:nvSpPr>
-          <p:cNvPr id="3" name="Content Placeholder 2"/>
-          <p:cNvSpPr>
-            <a:spLocks noGrp="1"/>
-          </p:cNvSpPr>
-          <p:nvPr>
-            <p:ph idx="1"/>
-          </p:nvPr>
-        </p:nvSpPr>
-        <p:spPr/>
-        <p:txBody>
-          <a:bodyPr/>
-          <a:lstStyle/>
-          <a:p>
-            <a:r>
-              <a:rPr lang="en-IN" dirty="0" smtClean="0"/>
-              <a:t>Reading and writing a file stored on disk is very essential for any computer program</a:t>
-            </a:r>
-          </a:p>
-          <a:p>
-            <a:r>
-              <a:rPr lang="en-IN" dirty="0" smtClean="0"/>
-              <a:t>Perl uses </a:t>
-            </a:r>
-            <a:r>
-              <a:rPr lang="en-IN" b="1" dirty="0" err="1" smtClean="0"/>
-              <a:t>Filehandles</a:t>
-            </a:r>
-            <a:r>
-              <a:rPr lang="en-IN" dirty="0" smtClean="0"/>
-              <a:t> to represent an opened file.</a:t>
-            </a:r>
-          </a:p>
-          <a:p>
-            <a:r>
-              <a:rPr lang="en-IN" dirty="0" smtClean="0"/>
-              <a:t>Files and hardware can be represented as </a:t>
-            </a:r>
-            <a:r>
-              <a:rPr lang="en-IN" dirty="0" err="1" smtClean="0"/>
-              <a:t>filehandles</a:t>
-            </a:r>
-            <a:endParaRPr lang="en-IN" dirty="0" smtClean="0"/>
-          </a:p>
-          <a:p>
-            <a:r>
-              <a:rPr lang="en-IN" dirty="0" err="1" smtClean="0"/>
-              <a:t>Filehandle</a:t>
-            </a:r>
-            <a:r>
-              <a:rPr lang="en-IN" dirty="0" smtClean="0"/>
-              <a:t> is also a data type in Perl</a:t>
-            </a:r>
-          </a:p>
-          <a:p>
-            <a:endParaRPr lang="en-US" dirty="0"/>
-          </a:p>
-        </p:txBody>
-      </p:sp>
-      <p:pic>
-        <p:nvPicPr>
-          <p:cNvPr id="1026" name="Picture 2"/>
-          <p:cNvPicPr>
-            <a:picLocks noChangeAspect="1" noChangeArrowheads="1"/>
-          </p:cNvPicPr>
-          <p:nvPr/>
-        </p:nvPicPr>
-        <p:blipFill>
-          <a:blip r:embed="rId2" cstate="print"/>
-          <a:srcRect/>
-          <a:stretch>
-            <a:fillRect/>
-          </a:stretch>
-        </p:blipFill>
-        <p:spPr bwMode="auto">
-          <a:xfrm>
-            <a:off x="676174" y="3319564"/>
-            <a:ext cx="7324725" cy="1600200"/>
-          </a:xfrm>
-          <a:prstGeom prst="rect">
-            <a:avLst/>
-          </a:prstGeom>
-          <a:noFill/>
-          <a:ln w="9525">
-            <a:noFill/>
-            <a:miter lim="800000"/>
-            <a:headEnd/>
-            <a:tailEnd/>
-          </a:ln>
-        </p:spPr>
-      </p:pic>
-    </p:spTree>
-  </p:cSld>
-  <p:clrMapOvr>
-    <a:masterClrMapping/>
-  </p:clrMapOvr>
-</p:sld>
-</file>
-
-<file path=ppt/slides/slide30.xml><?xml version="1.0" encoding="utf-8"?>
-<p:sld xmlns:a="http://schemas.openxmlformats.org/drawingml/2006/main" xmlns:r="http://schemas.openxmlformats.org/officeDocument/2006/relationships" xmlns:p="http://schemas.openxmlformats.org/presentationml/2006/main">
-  <p:cSld>
-    <p:spTree>
-      <p:nvGrpSpPr>
-        <p:cNvPr id="1" name=""/>
-        <p:cNvGrpSpPr/>
-        <p:nvPr/>
-      </p:nvGrpSpPr>
-      <p:grpSpPr>
-        <a:xfrm>
-          <a:off x="0" y="0"/>
-          <a:ext cx="0" cy="0"/>
-          <a:chOff x="0" y="0"/>
-          <a:chExt cx="0" cy="0"/>
-        </a:xfrm>
-      </p:grpSpPr>
-      <p:sp>
-        <p:nvSpPr>
-          <p:cNvPr id="5" name="Title 4"/>
-          <p:cNvSpPr>
-            <a:spLocks noGrp="1"/>
-          </p:cNvSpPr>
-          <p:nvPr>
-            <p:ph type="title"/>
-          </p:nvPr>
-        </p:nvSpPr>
-        <p:spPr/>
-        <p:txBody>
-          <a:bodyPr/>
-          <a:lstStyle/>
-          <a:p>
-            <a:r>
-              <a:rPr lang="pt-BR" dirty="0" smtClean="0"/>
-              <a:t>Example</a:t>
-            </a:r>
-            <a:endParaRPr lang="en-US" dirty="0"/>
-          </a:p>
-        </p:txBody>
-      </p:sp>
-      <p:sp>
-        <p:nvSpPr>
-          <p:cNvPr id="6" name="Content Placeholder 5"/>
-          <p:cNvSpPr>
-            <a:spLocks noGrp="1"/>
-          </p:cNvSpPr>
-          <p:nvPr>
-            <p:ph idx="1"/>
-          </p:nvPr>
-        </p:nvSpPr>
-        <p:spPr/>
-        <p:txBody>
-          <a:bodyPr/>
-          <a:lstStyle/>
-          <a:p>
-            <a:r>
-              <a:rPr lang="pt-BR" dirty="0" smtClean="0"/>
-              <a:t>Write a Perl script that asks user to enter a Directory name. Print only the files present in the directory (excluding the directories).</a:t>
-            </a:r>
-          </a:p>
-          <a:p>
-            <a:r>
-              <a:rPr lang="pt-BR" dirty="0" smtClean="0">
-                <a:hlinkClick r:id="rId2" action="ppaction://hlinkfile"/>
-              </a:rPr>
-              <a:t>Open script</a:t>
-            </a:r>
-            <a:endParaRPr lang="en-US" dirty="0"/>
-          </a:p>
-        </p:txBody>
-      </p:sp>
-    </p:spTree>
-  </p:cSld>
-  <p:clrMapOvr>
-    <a:masterClrMapping/>
-  </p:clrMapOvr>
-</p:sld>
-</file>
-
 <file path=ppt/slides/slide31.xml><?xml version="1.0" encoding="utf-8"?>
 <p:sld xmlns:a="http://schemas.openxmlformats.org/drawingml/2006/main" xmlns:r="http://schemas.openxmlformats.org/officeDocument/2006/relationships" xmlns:p="http://schemas.openxmlformats.org/presentationml/2006/main">
   <p:cSld>
@@ -8061,7 +8068,7 @@
       </p:grpSpPr>
       <p:sp>
         <p:nvSpPr>
-          <p:cNvPr id="2" name="Title 1"/>
+          <p:cNvPr id="5" name="Title 4"/>
           <p:cNvSpPr>
             <a:spLocks noGrp="1"/>
           </p:cNvSpPr>
@@ -8075,8 +8082,8 @@
           <a:lstStyle/>
           <a:p>
             <a:r>
-              <a:rPr lang="en-IN" dirty="0" smtClean="0"/>
-              <a:t>More functions </a:t>
+              <a:rPr lang="pt-BR" dirty="0" smtClean="0"/>
+              <a:t>Example</a:t>
             </a:r>
             <a:endParaRPr lang="en-US" dirty="0"/>
           </a:p>
@@ -8084,7 +8091,7 @@
       </p:sp>
       <p:sp>
         <p:nvSpPr>
-          <p:cNvPr id="3" name="Content Placeholder 2"/>
+          <p:cNvPr id="6" name="Content Placeholder 5"/>
           <p:cNvSpPr>
             <a:spLocks noGrp="1"/>
           </p:cNvSpPr>
@@ -8098,45 +8105,18 @@
           <a:lstStyle/>
           <a:p>
             <a:r>
-              <a:rPr lang="en-IN" dirty="0" smtClean="0"/>
-              <a:t>unlink(FILE) : deletes the list of FILE(S)</a:t>
-            </a:r>
-          </a:p>
-          <a:p>
-            <a:r>
-              <a:rPr lang="en-IN" dirty="0" err="1" smtClean="0"/>
-              <a:t>mkdir</a:t>
-            </a:r>
-            <a:r>
-              <a:rPr lang="en-IN" dirty="0" smtClean="0"/>
-              <a:t>(DIR) </a:t>
-            </a:r>
-            <a:r>
-              <a:rPr lang="en-IN" dirty="0" smtClean="0"/>
-              <a:t>  : </a:t>
-            </a:r>
-            <a:r>
-              <a:rPr lang="en-IN" dirty="0" smtClean="0"/>
-              <a:t>Creates a new DIR directory</a:t>
-            </a:r>
-          </a:p>
-          <a:p>
-            <a:r>
-              <a:rPr lang="en-IN" dirty="0" err="1" smtClean="0"/>
-              <a:t>chdir</a:t>
-            </a:r>
-            <a:r>
-              <a:rPr lang="en-IN" dirty="0" smtClean="0"/>
-              <a:t>(DIR)	</a:t>
-            </a:r>
-            <a:r>
-              <a:rPr lang="en-IN" dirty="0" smtClean="0"/>
-              <a:t> : </a:t>
-            </a:r>
-            <a:r>
-              <a:rPr lang="en-IN" dirty="0" smtClean="0"/>
-              <a:t>Change directory to DIR</a:t>
-            </a:r>
+              <a:rPr lang="pt-BR" dirty="0" smtClean="0"/>
+              <a:t>Write a Perl script that asks user to enter a Directory name. Print only the files present in the directory (excluding the directories).</a:t>
+            </a:r>
+          </a:p>
+          <a:p>
+            <a:r>
+              <a:rPr lang="pt-BR" dirty="0" smtClean="0">
+                <a:hlinkClick r:id="rId2" action="ppaction://hlinkfile"/>
+              </a:rPr>
+              <a:t>Open script</a:t>
+            </a:r>
+            <a:endParaRPr lang="en-US" dirty="0"/>
           </a:p>
         </p:txBody>
       </p:sp>
@@ -8181,8 +8161,8 @@
           <a:lstStyle/>
           <a:p>
             <a:r>
-              <a:rPr lang="pt-BR" dirty="0" smtClean="0"/>
-              <a:t>Exercise</a:t>
+              <a:rPr lang="en-IN" dirty="0" smtClean="0"/>
+              <a:t>More functions </a:t>
             </a:r>
             <a:endParaRPr lang="en-US" dirty="0"/>
           </a:p>
@@ -8204,18 +8184,29 @@
           <a:lstStyle/>
           <a:p>
             <a:r>
-              <a:rPr lang="pt-BR" dirty="0" smtClean="0"/>
-              <a:t>Open a FASTA file and copy its content to another file. </a:t>
-            </a:r>
-          </a:p>
-          <a:p>
-            <a:r>
-              <a:rPr lang="pt-BR" dirty="0" smtClean="0"/>
-              <a:t>Open both of these files and concatenate the content of both files into a third file.</a:t>
-            </a:r>
-          </a:p>
-          <a:p>
-            <a:endParaRPr lang="en-US" dirty="0"/>
+              <a:rPr lang="en-IN" dirty="0" smtClean="0"/>
+              <a:t>unlink(FILE) : deletes the list of FILE(S)</a:t>
+            </a:r>
+          </a:p>
+          <a:p>
+            <a:r>
+              <a:rPr lang="en-IN" dirty="0" err="1" smtClean="0"/>
+              <a:t>mkdir</a:t>
+            </a:r>
+            <a:r>
+              <a:rPr lang="en-IN" dirty="0" smtClean="0"/>
+              <a:t>(DIR)   : Creates a new DIR directory</a:t>
+            </a:r>
+          </a:p>
+          <a:p>
+            <a:r>
+              <a:rPr lang="en-IN" dirty="0" err="1" smtClean="0"/>
+              <a:t>chdir</a:t>
+            </a:r>
+            <a:r>
+              <a:rPr lang="en-IN" dirty="0" smtClean="0"/>
+              <a:t>(DIR)	 : Change directory to DIR</a:t>
+            </a:r>
           </a:p>
         </p:txBody>
       </p:sp>
@@ -8261,7 +8252,7 @@
           <a:p>
             <a:r>
               <a:rPr lang="pt-BR" dirty="0" smtClean="0"/>
-              <a:t>More exercises</a:t>
+              <a:t>Exercise</a:t>
             </a:r>
             <a:endParaRPr lang="en-US" dirty="0"/>
           </a:p>
@@ -8284,11 +8275,17 @@
           <a:p>
             <a:r>
               <a:rPr lang="pt-BR" dirty="0" smtClean="0"/>
-              <a:t>Open </a:t>
+              <a:t>Open a FASTA file and copy its content to another file</a:t>
             </a:r>
             <a:r>
               <a:rPr lang="pt-BR" dirty="0" smtClean="0"/>
-              <a:t>a GFF file and report total number of Genes present.</a:t>
+              <a:t>.</a:t>
+            </a:r>
+          </a:p>
+          <a:p>
+            <a:r>
+              <a:rPr lang="pt-BR" dirty="0" smtClean="0"/>
+              <a:t>Open a GFF file and report total number of Genes present.</a:t>
             </a:r>
           </a:p>
           <a:p>
@@ -8304,6 +8301,13 @@
               <a:t>Open a GFF file and report average legth of genes per chromosome.</a:t>
             </a:r>
             <a:endParaRPr lang="en-US" dirty="0" smtClean="0"/>
+          </a:p>
+          <a:p>
+            <a:r>
+              <a:rPr lang="pt-BR" dirty="0" smtClean="0"/>
+              <a:t> </a:t>
+            </a:r>
+            <a:endParaRPr lang="pt-BR" dirty="0" smtClean="0"/>
           </a:p>
           <a:p>
             <a:endParaRPr lang="en-US" dirty="0"/>
@@ -8319,6 +8323,73 @@
 </file>
 
 <file path=ppt/slides/slide34.xml><?xml version="1.0" encoding="utf-8"?>
+<p:sld xmlns:a="http://schemas.openxmlformats.org/drawingml/2006/main" xmlns:r="http://schemas.openxmlformats.org/officeDocument/2006/relationships" xmlns:p="http://schemas.openxmlformats.org/presentationml/2006/main">
+  <p:cSld>
+    <p:spTree>
+      <p:nvGrpSpPr>
+        <p:cNvPr id="1" name=""/>
+        <p:cNvGrpSpPr/>
+        <p:nvPr/>
+      </p:nvGrpSpPr>
+      <p:grpSpPr>
+        <a:xfrm>
+          <a:off x="0" y="0"/>
+          <a:ext cx="0" cy="0"/>
+          <a:chOff x="0" y="0"/>
+          <a:chExt cx="0" cy="0"/>
+        </a:xfrm>
+      </p:grpSpPr>
+      <p:sp>
+        <p:nvSpPr>
+          <p:cNvPr id="2" name="Title 1"/>
+          <p:cNvSpPr>
+            <a:spLocks noGrp="1"/>
+          </p:cNvSpPr>
+          <p:nvPr>
+            <p:ph type="title"/>
+          </p:nvPr>
+        </p:nvSpPr>
+        <p:spPr/>
+        <p:txBody>
+          <a:bodyPr/>
+          <a:lstStyle/>
+          <a:p>
+            <a:r>
+              <a:rPr lang="pt-BR" dirty="0" smtClean="0"/>
+              <a:t>More exercises</a:t>
+            </a:r>
+            <a:endParaRPr lang="en-US" dirty="0"/>
+          </a:p>
+        </p:txBody>
+      </p:sp>
+      <p:sp>
+        <p:nvSpPr>
+          <p:cNvPr id="3" name="Content Placeholder 2"/>
+          <p:cNvSpPr>
+            <a:spLocks noGrp="1"/>
+          </p:cNvSpPr>
+          <p:nvPr>
+            <p:ph idx="1"/>
+          </p:nvPr>
+        </p:nvSpPr>
+        <p:spPr/>
+        <p:txBody>
+          <a:bodyPr/>
+          <a:lstStyle/>
+          <a:p>
+            <a:endParaRPr lang="en-US" dirty="0"/>
+          </a:p>
+        </p:txBody>
+      </p:sp>
+    </p:spTree>
+  </p:cSld>
+  <p:clrMapOvr>
+    <a:masterClrMapping/>
+  </p:clrMapOvr>
+</p:sld>
+</file>
+
+<file path=ppt/slides/slide35.xml><?xml version="1.0" encoding="utf-8"?>
 <p:sld xmlns:a="http://schemas.openxmlformats.org/drawingml/2006/main" xmlns:r="http://schemas.openxmlformats.org/officeDocument/2006/relationships" xmlns:p="http://schemas.openxmlformats.org/presentationml/2006/main">
   <p:cSld>
     <p:spTree>
